--- a/Presentation/Bloc_Home_20201012.pptx
+++ b/Presentation/Bloc_Home_20201012.pptx
@@ -4589,9 +4589,14 @@
 <p:sldMaster xmlns:a="http://schemas.openxmlformats.org/drawingml/2006/main" xmlns:r="http://schemas.openxmlformats.org/officeDocument/2006/relationships" xmlns:p="http://schemas.openxmlformats.org/presentationml/2006/main">
   <p:cSld>
     <p:bg>
-      <p:bgRef idx="1001">
-        <a:schemeClr val="bg1"/>
-      </p:bgRef>
+      <p:bgPr>
+        <a:solidFill>
+          <a:schemeClr val="bg1">
+            <a:alpha val="79000"/>
+          </a:schemeClr>
+        </a:solidFill>
+        <a:effectLst/>
+      </p:bgPr>
     </p:bg>
     <p:spTree>
       <p:nvGrpSpPr>
@@ -5328,20 +5333,6 @@
 <file path=ppt/slides/slide1.xml><?xml version="1.0" encoding="utf-8"?>
 <p:sld xmlns:a="http://schemas.openxmlformats.org/drawingml/2006/main" xmlns:r="http://schemas.openxmlformats.org/officeDocument/2006/relationships" xmlns:p="http://schemas.openxmlformats.org/presentationml/2006/main">
   <p:cSld>
-    <p:bg>
-      <p:bgPr>
-        <a:blipFill dpi="0" rotWithShape="1">
-          <a:blip r:embed="rId3">
-            <a:lum/>
-          </a:blip>
-          <a:srcRect/>
-          <a:stretch>
-            <a:fillRect t="-16000" b="-16000"/>
-          </a:stretch>
-        </a:blipFill>
-        <a:effectLst/>
-      </p:bgPr>
-    </p:bg>
     <p:spTree>
       <p:nvGrpSpPr>
         <p:cNvPr id="1" name=""/>
@@ -5726,7 +5717,7 @@
           <p:nvPr/>
         </p:nvPicPr>
         <p:blipFill rotWithShape="1">
-          <a:blip r:embed="rId4"/>
+          <a:blip r:embed="rId3"/>
           <a:srcRect t="10004" b="5409"/>
           <a:stretch/>
         </p:blipFill>
@@ -5768,14 +5759,6 @@
 <file path=ppt/slides/slide10.xml><?xml version="1.0" encoding="utf-8"?>
 <p:sld xmlns:a="http://schemas.openxmlformats.org/drawingml/2006/main" xmlns:r="http://schemas.openxmlformats.org/officeDocument/2006/relationships" xmlns:p="http://schemas.openxmlformats.org/presentationml/2006/main">
   <p:cSld>
-    <p:bg>
-      <p:bgPr>
-        <a:solidFill>
-          <a:schemeClr val="bg1"/>
-        </a:solidFill>
-        <a:effectLst/>
-      </p:bgPr>
-    </p:bg>
     <p:spTree>
       <p:nvGrpSpPr>
         <p:cNvPr id="1" name=""/>
@@ -7160,14 +7143,6 @@
 <file path=ppt/slides/slide13.xml><?xml version="1.0" encoding="utf-8"?>
 <p:sld xmlns:a="http://schemas.openxmlformats.org/drawingml/2006/main" xmlns:r="http://schemas.openxmlformats.org/officeDocument/2006/relationships" xmlns:p="http://schemas.openxmlformats.org/presentationml/2006/main">
   <p:cSld>
-    <p:bg>
-      <p:bgPr>
-        <a:solidFill>
-          <a:schemeClr val="bg1"/>
-        </a:solidFill>
-        <a:effectLst/>
-      </p:bgPr>
-    </p:bg>
     <p:spTree>
       <p:nvGrpSpPr>
         <p:cNvPr id="1" name=""/>
@@ -12658,14 +12633,6 @@
 <file path=ppt/slides/slide16.xml><?xml version="1.0" encoding="utf-8"?>
 <p:sld xmlns:a="http://schemas.openxmlformats.org/drawingml/2006/main" xmlns:r="http://schemas.openxmlformats.org/officeDocument/2006/relationships" xmlns:p="http://schemas.openxmlformats.org/presentationml/2006/main">
   <p:cSld>
-    <p:bg>
-      <p:bgPr>
-        <a:solidFill>
-          <a:schemeClr val="bg1"/>
-        </a:solidFill>
-        <a:effectLst/>
-      </p:bgPr>
-    </p:bg>
     <p:spTree>
       <p:nvGrpSpPr>
         <p:cNvPr id="1" name=""/>
@@ -20913,14 +20880,6 @@
 <file path=ppt/slides/slide19.xml><?xml version="1.0" encoding="utf-8"?>
 <p:sld xmlns:a="http://schemas.openxmlformats.org/drawingml/2006/main" xmlns:r="http://schemas.openxmlformats.org/officeDocument/2006/relationships" xmlns:p="http://schemas.openxmlformats.org/presentationml/2006/main">
   <p:cSld>
-    <p:bg>
-      <p:bgPr>
-        <a:solidFill>
-          <a:schemeClr val="bg1"/>
-        </a:solidFill>
-        <a:effectLst/>
-      </p:bgPr>
-    </p:bg>
     <p:spTree>
       <p:nvGrpSpPr>
         <p:cNvPr id="1" name=""/>
@@ -22239,14 +22198,6 @@
 <file path=ppt/slides/slide20.xml><?xml version="1.0" encoding="utf-8"?>
 <p:sld xmlns:a="http://schemas.openxmlformats.org/drawingml/2006/main" xmlns:r="http://schemas.openxmlformats.org/officeDocument/2006/relationships" xmlns:p="http://schemas.openxmlformats.org/presentationml/2006/main">
   <p:cSld>
-    <p:bg>
-      <p:bgPr>
-        <a:solidFill>
-          <a:schemeClr val="bg1"/>
-        </a:solidFill>
-        <a:effectLst/>
-      </p:bgPr>
-    </p:bg>
     <p:spTree>
       <p:nvGrpSpPr>
         <p:cNvPr id="1" name=""/>
@@ -24855,14 +24806,6 @@
 <file path=ppt/slides/slide3.xml><?xml version="1.0" encoding="utf-8"?>
 <p:sld xmlns:a="http://schemas.openxmlformats.org/drawingml/2006/main" xmlns:r="http://schemas.openxmlformats.org/officeDocument/2006/relationships" xmlns:p="http://schemas.openxmlformats.org/presentationml/2006/main">
   <p:cSld>
-    <p:bg>
-      <p:bgPr>
-        <a:solidFill>
-          <a:schemeClr val="bg1"/>
-        </a:solidFill>
-        <a:effectLst/>
-      </p:bgPr>
-    </p:bg>
     <p:spTree>
       <p:nvGrpSpPr>
         <p:cNvPr id="1" name=""/>
@@ -25468,14 +25411,6 @@
 <file path=ppt/slides/slide4.xml><?xml version="1.0" encoding="utf-8"?>
 <p:sld xmlns:a="http://schemas.openxmlformats.org/drawingml/2006/main" xmlns:r="http://schemas.openxmlformats.org/officeDocument/2006/relationships" xmlns:p="http://schemas.openxmlformats.org/presentationml/2006/main">
   <p:cSld>
-    <p:bg>
-      <p:bgPr>
-        <a:solidFill>
-          <a:schemeClr val="bg1"/>
-        </a:solidFill>
-        <a:effectLst/>
-      </p:bgPr>
-    </p:bg>
     <p:spTree>
       <p:nvGrpSpPr>
         <p:cNvPr id="1" name=""/>
@@ -26282,14 +26217,6 @@
 <file path=ppt/slides/slide6.xml><?xml version="1.0" encoding="utf-8"?>
 <p:sld xmlns:a="http://schemas.openxmlformats.org/drawingml/2006/main" xmlns:r="http://schemas.openxmlformats.org/officeDocument/2006/relationships" xmlns:p="http://schemas.openxmlformats.org/presentationml/2006/main">
   <p:cSld>
-    <p:bg>
-      <p:bgPr>
-        <a:solidFill>
-          <a:schemeClr val="bg1"/>
-        </a:solidFill>
-        <a:effectLst/>
-      </p:bgPr>
-    </p:bg>
     <p:spTree>
       <p:nvGrpSpPr>
         <p:cNvPr id="1" name=""/>
@@ -26596,14 +26523,6 @@
 <file path=ppt/slides/slide7.xml><?xml version="1.0" encoding="utf-8"?>
 <p:sld xmlns:a="http://schemas.openxmlformats.org/drawingml/2006/main" xmlns:r="http://schemas.openxmlformats.org/officeDocument/2006/relationships" xmlns:p="http://schemas.openxmlformats.org/presentationml/2006/main">
   <p:cSld>
-    <p:bg>
-      <p:bgPr>
-        <a:solidFill>
-          <a:schemeClr val="bg1"/>
-        </a:solidFill>
-        <a:effectLst/>
-      </p:bgPr>
-    </p:bg>
     <p:spTree>
       <p:nvGrpSpPr>
         <p:cNvPr id="1" name=""/>
@@ -27344,14 +27263,6 @@
 <file path=ppt/slides/slide8.xml><?xml version="1.0" encoding="utf-8"?>
 <p:sld xmlns:a="http://schemas.openxmlformats.org/drawingml/2006/main" xmlns:r="http://schemas.openxmlformats.org/officeDocument/2006/relationships" xmlns:p="http://schemas.openxmlformats.org/presentationml/2006/main">
   <p:cSld>
-    <p:bg>
-      <p:bgPr>
-        <a:solidFill>
-          <a:schemeClr val="bg1"/>
-        </a:solidFill>
-        <a:effectLst/>
-      </p:bgPr>
-    </p:bg>
     <p:spTree>
       <p:nvGrpSpPr>
         <p:cNvPr id="1" name=""/>
@@ -27658,16 +27569,6 @@
 <file path=ppt/slides/slide9.xml><?xml version="1.0" encoding="utf-8"?>
 <p:sld xmlns:a="http://schemas.openxmlformats.org/drawingml/2006/main" xmlns:r="http://schemas.openxmlformats.org/officeDocument/2006/relationships" xmlns:p="http://schemas.openxmlformats.org/presentationml/2006/main">
   <p:cSld>
-    <p:bg>
-      <p:bgPr>
-        <a:solidFill>
-          <a:schemeClr val="bg1">
-            <a:alpha val="79000"/>
-          </a:schemeClr>
-        </a:solidFill>
-        <a:effectLst/>
-      </p:bgPr>
-    </p:bg>
     <p:spTree>
       <p:nvGrpSpPr>
         <p:cNvPr id="1" name=""/>
@@ -28202,9 +28103,9 @@
           <a:prstGeom prst="rect">
             <a:avLst/>
           </a:prstGeom>
-          <a:ln w="15875">
+          <a:ln w="19050" cap="sq">
             <a:solidFill>
-              <a:schemeClr val="accent1">
+              <a:schemeClr val="tx1">
                 <a:alpha val="0"/>
               </a:schemeClr>
             </a:solidFill>
@@ -28218,6 +28119,43 @@
           </a:effectLst>
         </p:spPr>
       </p:pic>
+      <p:sp>
+        <p:nvSpPr>
+          <p:cNvPr id="9" name="TextBox 8">
+            <a:extLst>
+              <a:ext uri="{FF2B5EF4-FFF2-40B4-BE49-F238E27FC236}">
+                <a16:creationId xmlns:a16="http://schemas.microsoft.com/office/drawing/2014/main" id="{8A2936D8-55B6-4B58-9275-BBD4B7A9657B}"/>
+              </a:ext>
+            </a:extLst>
+          </p:cNvPr>
+          <p:cNvSpPr txBox="1"/>
+          <p:nvPr/>
+        </p:nvSpPr>
+        <p:spPr>
+          <a:xfrm>
+            <a:off x="9461967" y="4392713"/>
+            <a:ext cx="2170753" cy="2098409"/>
+          </a:xfrm>
+          <a:prstGeom prst="rect">
+            <a:avLst/>
+          </a:prstGeom>
+          <a:noFill/>
+          <a:ln w="19050">
+            <a:solidFill>
+              <a:schemeClr val="tx1"/>
+            </a:solidFill>
+          </a:ln>
+        </p:spPr>
+        <p:txBody>
+          <a:bodyPr wrap="square" rtlCol="0">
+            <a:spAutoFit/>
+          </a:bodyPr>
+          <a:lstStyle/>
+          <a:p>
+            <a:endParaRPr lang="en-US" dirty="0"/>
+          </a:p>
+        </p:txBody>
+      </p:sp>
     </p:spTree>
     <p:extLst>
       <p:ext uri="{BB962C8B-B14F-4D97-AF65-F5344CB8AC3E}">
